--- a/image/images.pptx
+++ b/image/images.pptx
@@ -2992,7 +2992,7 @@
       </p:grpSpPr>
       <p:pic>
         <p:nvPicPr>
-          <p:cNvPr id="4" name="圖片 3"/>
+          <p:cNvPr id="8" name="圖片 7"/>
           <p:cNvPicPr>
             <a:picLocks noChangeAspect="1"/>
           </p:cNvPicPr>
@@ -3130,7 +3130,7 @@
       </p:grpSpPr>
       <p:pic>
         <p:nvPicPr>
-          <p:cNvPr id="12" name="圖片 11"/>
+          <p:cNvPr id="2" name="圖片 1"/>
           <p:cNvPicPr>
             <a:picLocks noChangeAspect="1"/>
           </p:cNvPicPr>
@@ -4218,7 +4218,7 @@
       </p:grpSpPr>
       <p:pic>
         <p:nvPicPr>
-          <p:cNvPr id="3" name="圖片 2"/>
+          <p:cNvPr id="4" name="圖片 3"/>
           <p:cNvPicPr>
             <a:picLocks noChangeAspect="1"/>
           </p:cNvPicPr>
@@ -4248,7 +4248,7 @@
         </p:nvSpPr>
         <p:spPr>
           <a:xfrm>
-            <a:off x="2421729" y="3414712"/>
+            <a:off x="2383631" y="3681412"/>
             <a:ext cx="288000" cy="288000"/>
           </a:xfrm>
           <a:prstGeom prst="rect">
@@ -4294,7 +4294,7 @@
         </p:nvSpPr>
         <p:spPr>
           <a:xfrm>
-            <a:off x="2788440" y="3594100"/>
+            <a:off x="2750342" y="3860800"/>
             <a:ext cx="1407321" cy="342900"/>
           </a:xfrm>
           <a:prstGeom prst="rect">
@@ -4332,85 +4332,9 @@
           </a:p>
         </p:txBody>
       </p:sp>
-      <p:sp>
-        <p:nvSpPr>
-          <p:cNvPr id="12" name="文字方塊 11"/>
-          <p:cNvSpPr txBox="1"/>
-          <p:nvPr/>
-        </p:nvSpPr>
-        <p:spPr>
-          <a:xfrm>
-            <a:off x="2120043" y="3374046"/>
-            <a:ext cx="301686" cy="369332"/>
-          </a:xfrm>
-          <a:prstGeom prst="rect">
-            <a:avLst/>
-          </a:prstGeom>
-          <a:noFill/>
-        </p:spPr>
-        <p:txBody>
-          <a:bodyPr wrap="none" rtlCol="0">
-            <a:spAutoFit/>
-          </a:bodyPr>
-          <a:lstStyle/>
-          <a:p>
-            <a:r>
-              <a:rPr lang="en-US" altLang="zh-TW" dirty="0" smtClean="0">
-                <a:solidFill>
-                  <a:srgbClr val="FF0000"/>
-                </a:solidFill>
-              </a:rPr>
-              <a:t>1</a:t>
-            </a:r>
-            <a:endParaRPr lang="zh-TW" altLang="en-US" dirty="0">
-              <a:solidFill>
-                <a:srgbClr val="FF0000"/>
-              </a:solidFill>
-            </a:endParaRPr>
-          </a:p>
-        </p:txBody>
-      </p:sp>
-      <p:sp>
-        <p:nvSpPr>
-          <p:cNvPr id="13" name="文字方塊 12"/>
-          <p:cNvSpPr txBox="1"/>
-          <p:nvPr/>
-        </p:nvSpPr>
-        <p:spPr>
-          <a:xfrm>
-            <a:off x="4195761" y="3580884"/>
-            <a:ext cx="301686" cy="369332"/>
-          </a:xfrm>
-          <a:prstGeom prst="rect">
-            <a:avLst/>
-          </a:prstGeom>
-          <a:noFill/>
-        </p:spPr>
-        <p:txBody>
-          <a:bodyPr wrap="none" rtlCol="0">
-            <a:spAutoFit/>
-          </a:bodyPr>
-          <a:lstStyle/>
-          <a:p>
-            <a:r>
-              <a:rPr lang="en-US" altLang="zh-TW" dirty="0" smtClean="0">
-                <a:solidFill>
-                  <a:srgbClr val="FF0000"/>
-                </a:solidFill>
-              </a:rPr>
-              <a:t>2</a:t>
-            </a:r>
-            <a:endParaRPr lang="zh-TW" altLang="en-US" dirty="0">
-              <a:solidFill>
-                <a:srgbClr val="FF0000"/>
-              </a:solidFill>
-            </a:endParaRPr>
-          </a:p>
-        </p:txBody>
-      </p:sp>
       <p:pic>
         <p:nvPicPr>
-          <p:cNvPr id="6" name="圖片 5"/>
+          <p:cNvPr id="9" name="圖片 8"/>
           <p:cNvPicPr>
             <a:picLocks noChangeAspect="1"/>
           </p:cNvPicPr>
@@ -4424,7 +4348,7 @@
         </p:blipFill>
         <p:spPr>
           <a:xfrm>
-            <a:off x="4514114" y="2462214"/>
+            <a:off x="4514850" y="2462104"/>
             <a:ext cx="5819775" cy="3171825"/>
           </a:xfrm>
           <a:prstGeom prst="rect">
@@ -4440,7 +4364,7 @@
         </p:nvSpPr>
         <p:spPr>
           <a:xfrm>
-            <a:off x="6132840" y="3983702"/>
+            <a:off x="6132840" y="4000369"/>
             <a:ext cx="1407321" cy="254925"/>
           </a:xfrm>
           <a:prstGeom prst="rect">
@@ -4526,13 +4450,89 @@
       </p:sp>
       <p:sp>
         <p:nvSpPr>
+          <p:cNvPr id="12" name="文字方塊 11"/>
+          <p:cNvSpPr txBox="1"/>
+          <p:nvPr/>
+        </p:nvSpPr>
+        <p:spPr>
+          <a:xfrm>
+            <a:off x="2081945" y="3640746"/>
+            <a:ext cx="301686" cy="369332"/>
+          </a:xfrm>
+          <a:prstGeom prst="rect">
+            <a:avLst/>
+          </a:prstGeom>
+          <a:noFill/>
+        </p:spPr>
+        <p:txBody>
+          <a:bodyPr wrap="none" rtlCol="0">
+            <a:spAutoFit/>
+          </a:bodyPr>
+          <a:lstStyle/>
+          <a:p>
+            <a:r>
+              <a:rPr lang="en-US" altLang="zh-TW" dirty="0" smtClean="0">
+                <a:solidFill>
+                  <a:srgbClr val="FF0000"/>
+                </a:solidFill>
+              </a:rPr>
+              <a:t>1</a:t>
+            </a:r>
+            <a:endParaRPr lang="zh-TW" altLang="en-US" dirty="0">
+              <a:solidFill>
+                <a:srgbClr val="FF0000"/>
+              </a:solidFill>
+            </a:endParaRPr>
+          </a:p>
+        </p:txBody>
+      </p:sp>
+      <p:sp>
+        <p:nvSpPr>
+          <p:cNvPr id="13" name="文字方塊 12"/>
+          <p:cNvSpPr txBox="1"/>
+          <p:nvPr/>
+        </p:nvSpPr>
+        <p:spPr>
+          <a:xfrm>
+            <a:off x="4157663" y="3847584"/>
+            <a:ext cx="301686" cy="369332"/>
+          </a:xfrm>
+          <a:prstGeom prst="rect">
+            <a:avLst/>
+          </a:prstGeom>
+          <a:noFill/>
+        </p:spPr>
+        <p:txBody>
+          <a:bodyPr wrap="none" rtlCol="0">
+            <a:spAutoFit/>
+          </a:bodyPr>
+          <a:lstStyle/>
+          <a:p>
+            <a:r>
+              <a:rPr lang="en-US" altLang="zh-TW" dirty="0" smtClean="0">
+                <a:solidFill>
+                  <a:srgbClr val="FF0000"/>
+                </a:solidFill>
+              </a:rPr>
+              <a:t>2</a:t>
+            </a:r>
+            <a:endParaRPr lang="zh-TW" altLang="en-US" dirty="0">
+              <a:solidFill>
+                <a:srgbClr val="FF0000"/>
+              </a:solidFill>
+            </a:endParaRPr>
+          </a:p>
+        </p:txBody>
+      </p:sp>
+      <p:sp>
+        <p:nvSpPr>
           <p:cNvPr id="14" name="文字方塊 13"/>
           <p:cNvSpPr txBox="1"/>
           <p:nvPr/>
         </p:nvSpPr>
         <p:spPr>
           <a:xfrm>
-            <a:off x="5831154" y="3926498"/>
+            <a:off x="5831154" y="3943165"/>
             <a:ext cx="301686" cy="369332"/>
           </a:xfrm>
           <a:prstGeom prst="rect">
@@ -4610,13 +4610,6 @@
   <p:clrMapOvr>
     <a:masterClrMapping/>
   </p:clrMapOvr>
-  <p:timing>
-    <p:tnLst>
-      <p:par>
-        <p:cTn id="1" dur="indefinite" restart="never" nodeType="tmRoot"/>
-      </p:par>
-    </p:tnLst>
-  </p:timing>
 </p:sld>
 </file>
 
@@ -4639,7 +4632,7 @@
       </p:grpSpPr>
       <p:pic>
         <p:nvPicPr>
-          <p:cNvPr id="4" name="圖片 3"/>
+          <p:cNvPr id="2" name="圖片 1"/>
           <p:cNvPicPr>
             <a:picLocks noChangeAspect="1"/>
           </p:cNvPicPr>
@@ -4669,7 +4662,7 @@
         </p:nvSpPr>
         <p:spPr>
           <a:xfrm>
-            <a:off x="4088186" y="3449098"/>
+            <a:off x="3789736" y="3595148"/>
             <a:ext cx="288000" cy="288000"/>
           </a:xfrm>
           <a:prstGeom prst="rect">
@@ -4715,7 +4708,7 @@
         </p:nvSpPr>
         <p:spPr>
           <a:xfrm>
-            <a:off x="4438095" y="4703030"/>
+            <a:off x="4139645" y="4849080"/>
             <a:ext cx="1407321" cy="342900"/>
           </a:xfrm>
           <a:prstGeom prst="rect">
@@ -4761,7 +4754,7 @@
         </p:nvSpPr>
         <p:spPr>
           <a:xfrm>
-            <a:off x="3786500" y="3408432"/>
+            <a:off x="3488050" y="3554482"/>
             <a:ext cx="301686" cy="369332"/>
           </a:xfrm>
           <a:prstGeom prst="rect">
@@ -4799,7 +4792,7 @@
         </p:nvSpPr>
         <p:spPr>
           <a:xfrm>
-            <a:off x="4136409" y="4689814"/>
+            <a:off x="3837959" y="4835864"/>
             <a:ext cx="301686" cy="369332"/>
           </a:xfrm>
           <a:prstGeom prst="rect">
@@ -4839,13 +4832,6 @@
   <p:clrMapOvr>
     <a:masterClrMapping/>
   </p:clrMapOvr>
-  <p:timing>
-    <p:tnLst>
-      <p:par>
-        <p:cTn id="1" dur="indefinite" restart="never" nodeType="tmRoot"/>
-      </p:par>
-    </p:tnLst>
-  </p:timing>
 </p:sld>
 </file>
 
@@ -4868,7 +4854,7 @@
       </p:grpSpPr>
       <p:pic>
         <p:nvPicPr>
-          <p:cNvPr id="3" name="圖片 2"/>
+          <p:cNvPr id="2" name="圖片 1"/>
           <p:cNvPicPr>
             <a:picLocks noChangeAspect="1"/>
           </p:cNvPicPr>
@@ -5308,13 +5294,6 @@
   <p:clrMapOvr>
     <a:masterClrMapping/>
   </p:clrMapOvr>
-  <p:timing>
-    <p:tnLst>
-      <p:par>
-        <p:cTn id="1" dur="indefinite" restart="never" nodeType="tmRoot"/>
-      </p:par>
-    </p:tnLst>
-  </p:timing>
 </p:sld>
 </file>
 
@@ -5337,7 +5316,7 @@
       </p:grpSpPr>
       <p:pic>
         <p:nvPicPr>
-          <p:cNvPr id="5" name="圖片 4"/>
+          <p:cNvPr id="6" name="圖片 5"/>
           <p:cNvPicPr>
             <a:picLocks noChangeAspect="1"/>
           </p:cNvPicPr>
@@ -6669,7 +6648,7 @@
       </p:grpSpPr>
       <p:pic>
         <p:nvPicPr>
-          <p:cNvPr id="11" name="圖片 10"/>
+          <p:cNvPr id="9" name="圖片 8"/>
           <p:cNvPicPr>
             <a:picLocks noChangeAspect="1"/>
           </p:cNvPicPr>

--- a/image/images.pptx
+++ b/image/images.pptx
@@ -264,7 +264,7 @@
           <a:p>
             <a:fld id="{56DE6451-BBA6-47FD-9167-15DF202D03EB}" type="datetimeFigureOut">
               <a:rPr lang="zh-TW" altLang="en-US" smtClean="0"/>
-              <a:t>2018/6/5</a:t>
+              <a:t>2018/7/29</a:t>
             </a:fld>
             <a:endParaRPr lang="zh-TW" altLang="en-US"/>
           </a:p>
@@ -434,7 +434,7 @@
           <a:p>
             <a:fld id="{56DE6451-BBA6-47FD-9167-15DF202D03EB}" type="datetimeFigureOut">
               <a:rPr lang="zh-TW" altLang="en-US" smtClean="0"/>
-              <a:t>2018/6/5</a:t>
+              <a:t>2018/7/29</a:t>
             </a:fld>
             <a:endParaRPr lang="zh-TW" altLang="en-US"/>
           </a:p>
@@ -614,7 +614,7 @@
           <a:p>
             <a:fld id="{56DE6451-BBA6-47FD-9167-15DF202D03EB}" type="datetimeFigureOut">
               <a:rPr lang="zh-TW" altLang="en-US" smtClean="0"/>
-              <a:t>2018/6/5</a:t>
+              <a:t>2018/7/29</a:t>
             </a:fld>
             <a:endParaRPr lang="zh-TW" altLang="en-US"/>
           </a:p>
@@ -784,7 +784,7 @@
           <a:p>
             <a:fld id="{56DE6451-BBA6-47FD-9167-15DF202D03EB}" type="datetimeFigureOut">
               <a:rPr lang="zh-TW" altLang="en-US" smtClean="0"/>
-              <a:t>2018/6/5</a:t>
+              <a:t>2018/7/29</a:t>
             </a:fld>
             <a:endParaRPr lang="zh-TW" altLang="en-US"/>
           </a:p>
@@ -1030,7 +1030,7 @@
           <a:p>
             <a:fld id="{56DE6451-BBA6-47FD-9167-15DF202D03EB}" type="datetimeFigureOut">
               <a:rPr lang="zh-TW" altLang="en-US" smtClean="0"/>
-              <a:t>2018/6/5</a:t>
+              <a:t>2018/7/29</a:t>
             </a:fld>
             <a:endParaRPr lang="zh-TW" altLang="en-US"/>
           </a:p>
@@ -1262,7 +1262,7 @@
           <a:p>
             <a:fld id="{56DE6451-BBA6-47FD-9167-15DF202D03EB}" type="datetimeFigureOut">
               <a:rPr lang="zh-TW" altLang="en-US" smtClean="0"/>
-              <a:t>2018/6/5</a:t>
+              <a:t>2018/7/29</a:t>
             </a:fld>
             <a:endParaRPr lang="zh-TW" altLang="en-US"/>
           </a:p>
@@ -1629,7 +1629,7 @@
           <a:p>
             <a:fld id="{56DE6451-BBA6-47FD-9167-15DF202D03EB}" type="datetimeFigureOut">
               <a:rPr lang="zh-TW" altLang="en-US" smtClean="0"/>
-              <a:t>2018/6/5</a:t>
+              <a:t>2018/7/29</a:t>
             </a:fld>
             <a:endParaRPr lang="zh-TW" altLang="en-US"/>
           </a:p>
@@ -1747,7 +1747,7 @@
           <a:p>
             <a:fld id="{56DE6451-BBA6-47FD-9167-15DF202D03EB}" type="datetimeFigureOut">
               <a:rPr lang="zh-TW" altLang="en-US" smtClean="0"/>
-              <a:t>2018/6/5</a:t>
+              <a:t>2018/7/29</a:t>
             </a:fld>
             <a:endParaRPr lang="zh-TW" altLang="en-US"/>
           </a:p>
@@ -1842,7 +1842,7 @@
           <a:p>
             <a:fld id="{56DE6451-BBA6-47FD-9167-15DF202D03EB}" type="datetimeFigureOut">
               <a:rPr lang="zh-TW" altLang="en-US" smtClean="0"/>
-              <a:t>2018/6/5</a:t>
+              <a:t>2018/7/29</a:t>
             </a:fld>
             <a:endParaRPr lang="zh-TW" altLang="en-US"/>
           </a:p>
@@ -2119,7 +2119,7 @@
           <a:p>
             <a:fld id="{56DE6451-BBA6-47FD-9167-15DF202D03EB}" type="datetimeFigureOut">
               <a:rPr lang="zh-TW" altLang="en-US" smtClean="0"/>
-              <a:t>2018/6/5</a:t>
+              <a:t>2018/7/29</a:t>
             </a:fld>
             <a:endParaRPr lang="zh-TW" altLang="en-US"/>
           </a:p>
@@ -2372,7 +2372,7 @@
           <a:p>
             <a:fld id="{56DE6451-BBA6-47FD-9167-15DF202D03EB}" type="datetimeFigureOut">
               <a:rPr lang="zh-TW" altLang="en-US" smtClean="0"/>
-              <a:t>2018/6/5</a:t>
+              <a:t>2018/7/29</a:t>
             </a:fld>
             <a:endParaRPr lang="zh-TW" altLang="en-US"/>
           </a:p>
@@ -2585,7 +2585,7 @@
           <a:p>
             <a:fld id="{56DE6451-BBA6-47FD-9167-15DF202D03EB}" type="datetimeFigureOut">
               <a:rPr lang="zh-TW" altLang="en-US" smtClean="0"/>
-              <a:t>2018/6/5</a:t>
+              <a:t>2018/7/29</a:t>
             </a:fld>
             <a:endParaRPr lang="zh-TW" altLang="en-US"/>
           </a:p>
@@ -2992,7 +2992,7 @@
       </p:grpSpPr>
       <p:pic>
         <p:nvPicPr>
-          <p:cNvPr id="8" name="圖片 7"/>
+          <p:cNvPr id="2" name="圖片 1"/>
           <p:cNvPicPr>
             <a:picLocks noChangeAspect="1"/>
           </p:cNvPicPr>
@@ -3130,7 +3130,7 @@
       </p:grpSpPr>
       <p:pic>
         <p:nvPicPr>
-          <p:cNvPr id="2" name="圖片 1"/>
+          <p:cNvPr id="12" name="圖片 11"/>
           <p:cNvPicPr>
             <a:picLocks noChangeAspect="1"/>
           </p:cNvPicPr>
@@ -4218,7 +4218,7 @@
       </p:grpSpPr>
       <p:pic>
         <p:nvPicPr>
-          <p:cNvPr id="4" name="圖片 3"/>
+          <p:cNvPr id="8" name="圖片 7"/>
           <p:cNvPicPr>
             <a:picLocks noChangeAspect="1"/>
           </p:cNvPicPr>
@@ -4248,7 +4248,7 @@
         </p:nvSpPr>
         <p:spPr>
           <a:xfrm>
-            <a:off x="2383631" y="3681412"/>
+            <a:off x="2357753" y="3681412"/>
             <a:ext cx="288000" cy="288000"/>
           </a:xfrm>
           <a:prstGeom prst="rect">
@@ -4294,7 +4294,7 @@
         </p:nvSpPr>
         <p:spPr>
           <a:xfrm>
-            <a:off x="2750342" y="3860800"/>
+            <a:off x="2724464" y="3860800"/>
             <a:ext cx="1407321" cy="342900"/>
           </a:xfrm>
           <a:prstGeom prst="rect">
@@ -4341,7 +4341,13 @@
           <p:nvPr/>
         </p:nvPicPr>
         <p:blipFill>
-          <a:blip r:embed="rId3"/>
+          <a:blip r:embed="rId3">
+            <a:extLst>
+              <a:ext uri="{28A0092B-C50C-407E-A947-70E740481C1C}">
+                <a14:useLocalDpi xmlns:a14="http://schemas.microsoft.com/office/drawing/2010/main" val="0"/>
+              </a:ext>
+            </a:extLst>
+          </a:blip>
           <a:stretch>
             <a:fillRect/>
           </a:stretch>
@@ -4349,7 +4355,7 @@
         <p:spPr>
           <a:xfrm>
             <a:off x="4514850" y="2462104"/>
-            <a:ext cx="5819775" cy="3171825"/>
+            <a:ext cx="5819774" cy="3171825"/>
           </a:xfrm>
           <a:prstGeom prst="rect">
             <a:avLst/>
@@ -4456,7 +4462,7 @@
         </p:nvSpPr>
         <p:spPr>
           <a:xfrm>
-            <a:off x="2081945" y="3640746"/>
+            <a:off x="2056067" y="3640746"/>
             <a:ext cx="301686" cy="369332"/>
           </a:xfrm>
           <a:prstGeom prst="rect">
@@ -4494,7 +4500,7 @@
         </p:nvSpPr>
         <p:spPr>
           <a:xfrm>
-            <a:off x="4157663" y="3847584"/>
+            <a:off x="4131785" y="3847584"/>
             <a:ext cx="301686" cy="369332"/>
           </a:xfrm>
           <a:prstGeom prst="rect">
@@ -4632,7 +4638,7 @@
       </p:grpSpPr>
       <p:pic>
         <p:nvPicPr>
-          <p:cNvPr id="2" name="圖片 1"/>
+          <p:cNvPr id="4" name="圖片 3"/>
           <p:cNvPicPr>
             <a:picLocks noChangeAspect="1"/>
           </p:cNvPicPr>
@@ -4662,7 +4668,7 @@
         </p:nvSpPr>
         <p:spPr>
           <a:xfrm>
-            <a:off x="3789736" y="3595148"/>
+            <a:off x="4117541" y="3422628"/>
             <a:ext cx="288000" cy="288000"/>
           </a:xfrm>
           <a:prstGeom prst="rect">
@@ -4708,7 +4714,7 @@
         </p:nvSpPr>
         <p:spPr>
           <a:xfrm>
-            <a:off x="4139645" y="4849080"/>
+            <a:off x="4467450" y="4676560"/>
             <a:ext cx="1407321" cy="342900"/>
           </a:xfrm>
           <a:prstGeom prst="rect">
@@ -4754,7 +4760,7 @@
         </p:nvSpPr>
         <p:spPr>
           <a:xfrm>
-            <a:off x="3488050" y="3554482"/>
+            <a:off x="3815855" y="3381962"/>
             <a:ext cx="301686" cy="369332"/>
           </a:xfrm>
           <a:prstGeom prst="rect">
@@ -4792,7 +4798,7 @@
         </p:nvSpPr>
         <p:spPr>
           <a:xfrm>
-            <a:off x="3837959" y="4835864"/>
+            <a:off x="4165764" y="4663344"/>
             <a:ext cx="301686" cy="369332"/>
           </a:xfrm>
           <a:prstGeom prst="rect">
@@ -4854,7 +4860,7 @@
       </p:grpSpPr>
       <p:pic>
         <p:nvPicPr>
-          <p:cNvPr id="2" name="圖片 1"/>
+          <p:cNvPr id="3" name="圖片 2"/>
           <p:cNvPicPr>
             <a:picLocks noChangeAspect="1"/>
           </p:cNvPicPr>
@@ -5316,7 +5322,7 @@
       </p:grpSpPr>
       <p:pic>
         <p:nvPicPr>
-          <p:cNvPr id="6" name="圖片 5"/>
+          <p:cNvPr id="2" name="圖片 1"/>
           <p:cNvPicPr>
             <a:picLocks noChangeAspect="1"/>
           </p:cNvPicPr>
@@ -5622,7 +5628,7 @@
       </p:grpSpPr>
       <p:pic>
         <p:nvPicPr>
-          <p:cNvPr id="2" name="圖片 1"/>
+          <p:cNvPr id="4" name="圖片 3"/>
           <p:cNvPicPr>
             <a:picLocks noChangeAspect="1"/>
           </p:cNvPicPr>
@@ -5646,14 +5652,14 @@
       </p:pic>
       <p:sp>
         <p:nvSpPr>
-          <p:cNvPr id="3" name="矩形 2"/>
+          <p:cNvPr id="5" name="矩形 4"/>
           <p:cNvSpPr/>
           <p:nvPr/>
         </p:nvSpPr>
         <p:spPr>
           <a:xfrm>
-            <a:off x="9123288" y="714059"/>
-            <a:ext cx="1193904" cy="244774"/>
+            <a:off x="1974864" y="2548609"/>
+            <a:ext cx="4014456" cy="289482"/>
           </a:xfrm>
           <a:prstGeom prst="rect">
             <a:avLst/>
@@ -5692,14 +5698,14 @@
       </p:sp>
       <p:sp>
         <p:nvSpPr>
-          <p:cNvPr id="5" name="矩形 4"/>
+          <p:cNvPr id="6" name="矩形 5"/>
           <p:cNvSpPr/>
           <p:nvPr/>
         </p:nvSpPr>
         <p:spPr>
           <a:xfrm>
-            <a:off x="1974864" y="2548609"/>
-            <a:ext cx="4014456" cy="289482"/>
+            <a:off x="4141165" y="2875602"/>
+            <a:ext cx="1526210" cy="289482"/>
           </a:xfrm>
           <a:prstGeom prst="rect">
             <a:avLst/>
@@ -5738,14 +5744,14 @@
       </p:sp>
       <p:sp>
         <p:nvSpPr>
-          <p:cNvPr id="6" name="矩形 5"/>
+          <p:cNvPr id="7" name="矩形 6"/>
           <p:cNvSpPr/>
           <p:nvPr/>
         </p:nvSpPr>
         <p:spPr>
           <a:xfrm>
-            <a:off x="4141165" y="2875602"/>
-            <a:ext cx="1526210" cy="289482"/>
+            <a:off x="1974864" y="3858582"/>
+            <a:ext cx="2406636" cy="289482"/>
           </a:xfrm>
           <a:prstGeom prst="rect">
             <a:avLst/>
@@ -5784,14 +5790,14 @@
       </p:sp>
       <p:sp>
         <p:nvSpPr>
-          <p:cNvPr id="7" name="矩形 6"/>
+          <p:cNvPr id="8" name="矩形 7"/>
           <p:cNvSpPr/>
           <p:nvPr/>
         </p:nvSpPr>
         <p:spPr>
           <a:xfrm>
-            <a:off x="1974864" y="3858582"/>
-            <a:ext cx="2406636" cy="289482"/>
+            <a:off x="2543354" y="4462066"/>
+            <a:ext cx="1289506" cy="289482"/>
           </a:xfrm>
           <a:prstGeom prst="rect">
             <a:avLst/>
@@ -5830,14 +5836,14 @@
       </p:sp>
       <p:sp>
         <p:nvSpPr>
-          <p:cNvPr id="8" name="矩形 7"/>
+          <p:cNvPr id="9" name="矩形 8"/>
           <p:cNvSpPr/>
           <p:nvPr/>
         </p:nvSpPr>
         <p:spPr>
           <a:xfrm>
-            <a:off x="2543354" y="4462066"/>
-            <a:ext cx="1289506" cy="289482"/>
+            <a:off x="1952004" y="5377178"/>
+            <a:ext cx="4067796" cy="657861"/>
           </a:xfrm>
           <a:prstGeom prst="rect">
             <a:avLst/>
@@ -5876,14 +5882,14 @@
       </p:sp>
       <p:sp>
         <p:nvSpPr>
-          <p:cNvPr id="9" name="矩形 8"/>
+          <p:cNvPr id="15" name="矩形 14"/>
           <p:cNvSpPr/>
           <p:nvPr/>
         </p:nvSpPr>
         <p:spPr>
           <a:xfrm>
-            <a:off x="1952004" y="5377178"/>
-            <a:ext cx="4067796" cy="657861"/>
+            <a:off x="8617792" y="1702505"/>
+            <a:ext cx="1080000" cy="1080000"/>
           </a:xfrm>
           <a:prstGeom prst="rect">
             <a:avLst/>
@@ -5891,7 +5897,7 @@
           <a:noFill/>
           <a:ln w="28575">
             <a:solidFill>
-              <a:srgbClr val="FF0000"/>
+              <a:srgbClr val="00B0F0"/>
             </a:solidFill>
           </a:ln>
         </p:spPr>
@@ -5916,44 +5922,210 @@
           <a:lstStyle/>
           <a:p>
             <a:pPr algn="ctr"/>
-            <a:endParaRPr lang="zh-TW" altLang="en-US"/>
-          </a:p>
-        </p:txBody>
-      </p:sp>
-      <p:pic>
-        <p:nvPicPr>
-          <p:cNvPr id="10" name="圖片 9"/>
-          <p:cNvPicPr>
-            <a:picLocks noChangeAspect="1"/>
-          </p:cNvPicPr>
-          <p:nvPr/>
-        </p:nvPicPr>
-        <p:blipFill>
-          <a:blip r:embed="rId3"/>
-          <a:stretch>
-            <a:fillRect/>
-          </a:stretch>
-        </p:blipFill>
-        <p:spPr>
-          <a:xfrm>
-            <a:off x="6691792" y="3280097"/>
-            <a:ext cx="3286125" cy="1857375"/>
-          </a:xfrm>
-          <a:prstGeom prst="rect">
-            <a:avLst/>
-          </a:prstGeom>
-        </p:spPr>
-      </p:pic>
-      <p:sp>
-        <p:nvSpPr>
-          <p:cNvPr id="12" name="矩形 11"/>
+            <a:endParaRPr lang="zh-TW" altLang="en-US" dirty="0"/>
+          </a:p>
+        </p:txBody>
+      </p:sp>
+      <p:sp>
+        <p:nvSpPr>
+          <p:cNvPr id="18" name="文字方塊 17"/>
+          <p:cNvSpPr txBox="1"/>
+          <p:nvPr/>
+        </p:nvSpPr>
+        <p:spPr>
+          <a:xfrm>
+            <a:off x="1974864" y="2179277"/>
+            <a:ext cx="301686" cy="369332"/>
+          </a:xfrm>
+          <a:prstGeom prst="rect">
+            <a:avLst/>
+          </a:prstGeom>
+          <a:noFill/>
+        </p:spPr>
+        <p:txBody>
+          <a:bodyPr wrap="none" rtlCol="0">
+            <a:spAutoFit/>
+          </a:bodyPr>
+          <a:lstStyle/>
+          <a:p>
+            <a:r>
+              <a:rPr lang="en-US" altLang="zh-TW" dirty="0" smtClean="0">
+                <a:solidFill>
+                  <a:srgbClr val="FF0000"/>
+                </a:solidFill>
+              </a:rPr>
+              <a:t>1</a:t>
+            </a:r>
+            <a:endParaRPr lang="zh-TW" altLang="en-US" dirty="0">
+              <a:solidFill>
+                <a:srgbClr val="FF0000"/>
+              </a:solidFill>
+            </a:endParaRPr>
+          </a:p>
+        </p:txBody>
+      </p:sp>
+      <p:sp>
+        <p:nvSpPr>
+          <p:cNvPr id="19" name="文字方塊 18"/>
+          <p:cNvSpPr txBox="1"/>
+          <p:nvPr/>
+        </p:nvSpPr>
+        <p:spPr>
+          <a:xfrm>
+            <a:off x="3839479" y="2831508"/>
+            <a:ext cx="301686" cy="369332"/>
+          </a:xfrm>
+          <a:prstGeom prst="rect">
+            <a:avLst/>
+          </a:prstGeom>
+          <a:noFill/>
+        </p:spPr>
+        <p:txBody>
+          <a:bodyPr wrap="none" rtlCol="0">
+            <a:spAutoFit/>
+          </a:bodyPr>
+          <a:lstStyle/>
+          <a:p>
+            <a:r>
+              <a:rPr lang="en-US" altLang="zh-TW" dirty="0" smtClean="0">
+                <a:solidFill>
+                  <a:srgbClr val="FF0000"/>
+                </a:solidFill>
+              </a:rPr>
+              <a:t>2</a:t>
+            </a:r>
+            <a:endParaRPr lang="zh-TW" altLang="en-US" dirty="0">
+              <a:solidFill>
+                <a:srgbClr val="FF0000"/>
+              </a:solidFill>
+            </a:endParaRPr>
+          </a:p>
+        </p:txBody>
+      </p:sp>
+      <p:sp>
+        <p:nvSpPr>
+          <p:cNvPr id="20" name="文字方塊 19"/>
+          <p:cNvSpPr txBox="1"/>
+          <p:nvPr/>
+        </p:nvSpPr>
+        <p:spPr>
+          <a:xfrm>
+            <a:off x="4381500" y="3818657"/>
+            <a:ext cx="301686" cy="369332"/>
+          </a:xfrm>
+          <a:prstGeom prst="rect">
+            <a:avLst/>
+          </a:prstGeom>
+          <a:noFill/>
+        </p:spPr>
+        <p:txBody>
+          <a:bodyPr wrap="none" rtlCol="0">
+            <a:spAutoFit/>
+          </a:bodyPr>
+          <a:lstStyle/>
+          <a:p>
+            <a:r>
+              <a:rPr lang="en-US" altLang="zh-TW" dirty="0" smtClean="0">
+                <a:solidFill>
+                  <a:srgbClr val="FF0000"/>
+                </a:solidFill>
+              </a:rPr>
+              <a:t>3</a:t>
+            </a:r>
+            <a:endParaRPr lang="zh-TW" altLang="en-US" dirty="0">
+              <a:solidFill>
+                <a:srgbClr val="FF0000"/>
+              </a:solidFill>
+            </a:endParaRPr>
+          </a:p>
+        </p:txBody>
+      </p:sp>
+      <p:sp>
+        <p:nvSpPr>
+          <p:cNvPr id="21" name="文字方塊 20"/>
+          <p:cNvSpPr txBox="1"/>
+          <p:nvPr/>
+        </p:nvSpPr>
+        <p:spPr>
+          <a:xfrm>
+            <a:off x="3825582" y="4422141"/>
+            <a:ext cx="301686" cy="369332"/>
+          </a:xfrm>
+          <a:prstGeom prst="rect">
+            <a:avLst/>
+          </a:prstGeom>
+          <a:noFill/>
+        </p:spPr>
+        <p:txBody>
+          <a:bodyPr wrap="none" rtlCol="0">
+            <a:spAutoFit/>
+          </a:bodyPr>
+          <a:lstStyle/>
+          <a:p>
+            <a:r>
+              <a:rPr lang="en-US" altLang="zh-TW" dirty="0" smtClean="0">
+                <a:solidFill>
+                  <a:srgbClr val="FF0000"/>
+                </a:solidFill>
+              </a:rPr>
+              <a:t>4</a:t>
+            </a:r>
+            <a:endParaRPr lang="zh-TW" altLang="en-US" dirty="0">
+              <a:solidFill>
+                <a:srgbClr val="FF0000"/>
+              </a:solidFill>
+            </a:endParaRPr>
+          </a:p>
+        </p:txBody>
+      </p:sp>
+      <p:sp>
+        <p:nvSpPr>
+          <p:cNvPr id="22" name="文字方塊 21"/>
+          <p:cNvSpPr txBox="1"/>
+          <p:nvPr/>
+        </p:nvSpPr>
+        <p:spPr>
+          <a:xfrm>
+            <a:off x="3835241" y="5007846"/>
+            <a:ext cx="301686" cy="369332"/>
+          </a:xfrm>
+          <a:prstGeom prst="rect">
+            <a:avLst/>
+          </a:prstGeom>
+          <a:noFill/>
+        </p:spPr>
+        <p:txBody>
+          <a:bodyPr wrap="none" rtlCol="0">
+            <a:spAutoFit/>
+          </a:bodyPr>
+          <a:lstStyle/>
+          <a:p>
+            <a:r>
+              <a:rPr lang="en-US" altLang="zh-TW" dirty="0" smtClean="0">
+                <a:solidFill>
+                  <a:srgbClr val="FF0000"/>
+                </a:solidFill>
+              </a:rPr>
+              <a:t>5</a:t>
+            </a:r>
+            <a:endParaRPr lang="zh-TW" altLang="en-US" dirty="0">
+              <a:solidFill>
+                <a:srgbClr val="FF0000"/>
+              </a:solidFill>
+            </a:endParaRPr>
+          </a:p>
+        </p:txBody>
+      </p:sp>
+      <p:sp>
+        <p:nvSpPr>
+          <p:cNvPr id="23" name="矩形 22"/>
           <p:cNvSpPr/>
           <p:nvPr/>
         </p:nvSpPr>
         <p:spPr>
           <a:xfrm>
-            <a:off x="6849913" y="3987368"/>
-            <a:ext cx="1889106" cy="289482"/>
+            <a:off x="7115817" y="6159899"/>
+            <a:ext cx="854227" cy="289482"/>
           </a:xfrm>
           <a:prstGeom prst="rect">
             <a:avLst/>
@@ -5992,295 +6164,13 @@
       </p:sp>
       <p:sp>
         <p:nvSpPr>
-          <p:cNvPr id="13" name="矩形 12"/>
-          <p:cNvSpPr/>
-          <p:nvPr/>
-        </p:nvSpPr>
-        <p:spPr>
-          <a:xfrm>
-            <a:off x="7509519" y="4692258"/>
-            <a:ext cx="1095375" cy="289482"/>
-          </a:xfrm>
-          <a:prstGeom prst="rect">
-            <a:avLst/>
-          </a:prstGeom>
-          <a:noFill/>
-          <a:ln w="28575">
-            <a:solidFill>
-              <a:srgbClr val="FF0000"/>
-            </a:solidFill>
-          </a:ln>
-        </p:spPr>
-        <p:style>
-          <a:lnRef idx="2">
-            <a:schemeClr val="accent1">
-              <a:shade val="50000"/>
-            </a:schemeClr>
-          </a:lnRef>
-          <a:fillRef idx="1">
-            <a:schemeClr val="accent1"/>
-          </a:fillRef>
-          <a:effectRef idx="0">
-            <a:schemeClr val="accent1"/>
-          </a:effectRef>
-          <a:fontRef idx="minor">
-            <a:schemeClr val="lt1"/>
-          </a:fontRef>
-        </p:style>
-        <p:txBody>
-          <a:bodyPr rtlCol="0" anchor="ctr"/>
-          <a:lstStyle/>
-          <a:p>
-            <a:pPr algn="ctr"/>
-            <a:endParaRPr lang="zh-TW" altLang="en-US"/>
-          </a:p>
-        </p:txBody>
-      </p:sp>
-      <p:sp>
-        <p:nvSpPr>
-          <p:cNvPr id="14" name="文字方塊 13"/>
+          <p:cNvPr id="24" name="文字方塊 23"/>
           <p:cNvSpPr txBox="1"/>
           <p:nvPr/>
         </p:nvSpPr>
         <p:spPr>
           <a:xfrm>
-            <a:off x="8821602" y="651780"/>
-            <a:ext cx="301686" cy="369332"/>
-          </a:xfrm>
-          <a:prstGeom prst="rect">
-            <a:avLst/>
-          </a:prstGeom>
-          <a:noFill/>
-        </p:spPr>
-        <p:txBody>
-          <a:bodyPr wrap="none" rtlCol="0">
-            <a:spAutoFit/>
-          </a:bodyPr>
-          <a:lstStyle/>
-          <a:p>
-            <a:r>
-              <a:rPr lang="en-US" altLang="zh-TW" dirty="0" smtClean="0">
-                <a:solidFill>
-                  <a:srgbClr val="FF0000"/>
-                </a:solidFill>
-              </a:rPr>
-              <a:t>1</a:t>
-            </a:r>
-            <a:endParaRPr lang="zh-TW" altLang="en-US" dirty="0">
-              <a:solidFill>
-                <a:srgbClr val="FF0000"/>
-              </a:solidFill>
-            </a:endParaRPr>
-          </a:p>
-        </p:txBody>
-      </p:sp>
-      <p:sp>
-        <p:nvSpPr>
-          <p:cNvPr id="15" name="矩形 14"/>
-          <p:cNvSpPr/>
-          <p:nvPr/>
-        </p:nvSpPr>
-        <p:spPr>
-          <a:xfrm>
-            <a:off x="8617792" y="1702505"/>
-            <a:ext cx="1080000" cy="1080000"/>
-          </a:xfrm>
-          <a:prstGeom prst="rect">
-            <a:avLst/>
-          </a:prstGeom>
-          <a:noFill/>
-          <a:ln w="28575">
-            <a:solidFill>
-              <a:srgbClr val="00B0F0"/>
-            </a:solidFill>
-          </a:ln>
-        </p:spPr>
-        <p:style>
-          <a:lnRef idx="2">
-            <a:schemeClr val="accent1">
-              <a:shade val="50000"/>
-            </a:schemeClr>
-          </a:lnRef>
-          <a:fillRef idx="1">
-            <a:schemeClr val="accent1"/>
-          </a:fillRef>
-          <a:effectRef idx="0">
-            <a:schemeClr val="accent1"/>
-          </a:effectRef>
-          <a:fontRef idx="minor">
-            <a:schemeClr val="lt1"/>
-          </a:fontRef>
-        </p:style>
-        <p:txBody>
-          <a:bodyPr rtlCol="0" anchor="ctr"/>
-          <a:lstStyle/>
-          <a:p>
-            <a:pPr algn="ctr"/>
-            <a:endParaRPr lang="zh-TW" altLang="en-US" dirty="0"/>
-          </a:p>
-        </p:txBody>
-      </p:sp>
-      <p:sp>
-        <p:nvSpPr>
-          <p:cNvPr id="16" name="文字方塊 15"/>
-          <p:cNvSpPr txBox="1"/>
-          <p:nvPr/>
-        </p:nvSpPr>
-        <p:spPr>
-          <a:xfrm>
-            <a:off x="6548227" y="3947443"/>
-            <a:ext cx="301686" cy="369332"/>
-          </a:xfrm>
-          <a:prstGeom prst="rect">
-            <a:avLst/>
-          </a:prstGeom>
-          <a:noFill/>
-        </p:spPr>
-        <p:txBody>
-          <a:bodyPr wrap="none" rtlCol="0">
-            <a:spAutoFit/>
-          </a:bodyPr>
-          <a:lstStyle/>
-          <a:p>
-            <a:r>
-              <a:rPr lang="en-US" altLang="zh-TW" dirty="0" smtClean="0">
-                <a:solidFill>
-                  <a:srgbClr val="FF0000"/>
-                </a:solidFill>
-              </a:rPr>
-              <a:t>2</a:t>
-            </a:r>
-            <a:endParaRPr lang="zh-TW" altLang="en-US" dirty="0">
-              <a:solidFill>
-                <a:srgbClr val="FF0000"/>
-              </a:solidFill>
-            </a:endParaRPr>
-          </a:p>
-        </p:txBody>
-      </p:sp>
-      <p:sp>
-        <p:nvSpPr>
-          <p:cNvPr id="17" name="文字方塊 16"/>
-          <p:cNvSpPr txBox="1"/>
-          <p:nvPr/>
-        </p:nvSpPr>
-        <p:spPr>
-          <a:xfrm>
-            <a:off x="7207833" y="4652333"/>
-            <a:ext cx="301686" cy="369332"/>
-          </a:xfrm>
-          <a:prstGeom prst="rect">
-            <a:avLst/>
-          </a:prstGeom>
-          <a:noFill/>
-        </p:spPr>
-        <p:txBody>
-          <a:bodyPr wrap="none" rtlCol="0">
-            <a:spAutoFit/>
-          </a:bodyPr>
-          <a:lstStyle/>
-          <a:p>
-            <a:r>
-              <a:rPr lang="en-US" altLang="zh-TW" dirty="0" smtClean="0">
-                <a:solidFill>
-                  <a:srgbClr val="FF0000"/>
-                </a:solidFill>
-              </a:rPr>
-              <a:t>3</a:t>
-            </a:r>
-            <a:endParaRPr lang="zh-TW" altLang="en-US" dirty="0">
-              <a:solidFill>
-                <a:srgbClr val="FF0000"/>
-              </a:solidFill>
-            </a:endParaRPr>
-          </a:p>
-        </p:txBody>
-      </p:sp>
-      <p:sp>
-        <p:nvSpPr>
-          <p:cNvPr id="18" name="文字方塊 17"/>
-          <p:cNvSpPr txBox="1"/>
-          <p:nvPr/>
-        </p:nvSpPr>
-        <p:spPr>
-          <a:xfrm>
-            <a:off x="1974864" y="2179277"/>
-            <a:ext cx="301686" cy="369332"/>
-          </a:xfrm>
-          <a:prstGeom prst="rect">
-            <a:avLst/>
-          </a:prstGeom>
-          <a:noFill/>
-        </p:spPr>
-        <p:txBody>
-          <a:bodyPr wrap="none" rtlCol="0">
-            <a:spAutoFit/>
-          </a:bodyPr>
-          <a:lstStyle/>
-          <a:p>
-            <a:r>
-              <a:rPr lang="en-US" altLang="zh-TW" dirty="0" smtClean="0">
-                <a:solidFill>
-                  <a:srgbClr val="FF0000"/>
-                </a:solidFill>
-              </a:rPr>
-              <a:t>4</a:t>
-            </a:r>
-            <a:endParaRPr lang="zh-TW" altLang="en-US" dirty="0">
-              <a:solidFill>
-                <a:srgbClr val="FF0000"/>
-              </a:solidFill>
-            </a:endParaRPr>
-          </a:p>
-        </p:txBody>
-      </p:sp>
-      <p:sp>
-        <p:nvSpPr>
-          <p:cNvPr id="19" name="文字方塊 18"/>
-          <p:cNvSpPr txBox="1"/>
-          <p:nvPr/>
-        </p:nvSpPr>
-        <p:spPr>
-          <a:xfrm>
-            <a:off x="3839479" y="2831508"/>
-            <a:ext cx="301686" cy="369332"/>
-          </a:xfrm>
-          <a:prstGeom prst="rect">
-            <a:avLst/>
-          </a:prstGeom>
-          <a:noFill/>
-        </p:spPr>
-        <p:txBody>
-          <a:bodyPr wrap="none" rtlCol="0">
-            <a:spAutoFit/>
-          </a:bodyPr>
-          <a:lstStyle/>
-          <a:p>
-            <a:r>
-              <a:rPr lang="en-US" altLang="zh-TW" dirty="0" smtClean="0">
-                <a:solidFill>
-                  <a:srgbClr val="FF0000"/>
-                </a:solidFill>
-              </a:rPr>
-              <a:t>5</a:t>
-            </a:r>
-            <a:endParaRPr lang="zh-TW" altLang="en-US" dirty="0">
-              <a:solidFill>
-                <a:srgbClr val="FF0000"/>
-              </a:solidFill>
-            </a:endParaRPr>
-          </a:p>
-        </p:txBody>
-      </p:sp>
-      <p:sp>
-        <p:nvSpPr>
-          <p:cNvPr id="20" name="文字方塊 19"/>
-          <p:cNvSpPr txBox="1"/>
-          <p:nvPr/>
-        </p:nvSpPr>
-        <p:spPr>
-          <a:xfrm>
-            <a:off x="4381500" y="3818657"/>
+            <a:off x="6814131" y="6119974"/>
             <a:ext cx="301686" cy="369332"/>
           </a:xfrm>
           <a:prstGeom prst="rect">
@@ -6301,166 +6191,6 @@
                 </a:solidFill>
               </a:rPr>
               <a:t>6</a:t>
-            </a:r>
-            <a:endParaRPr lang="zh-TW" altLang="en-US" dirty="0">
-              <a:solidFill>
-                <a:srgbClr val="FF0000"/>
-              </a:solidFill>
-            </a:endParaRPr>
-          </a:p>
-        </p:txBody>
-      </p:sp>
-      <p:sp>
-        <p:nvSpPr>
-          <p:cNvPr id="21" name="文字方塊 20"/>
-          <p:cNvSpPr txBox="1"/>
-          <p:nvPr/>
-        </p:nvSpPr>
-        <p:spPr>
-          <a:xfrm>
-            <a:off x="3825582" y="4422141"/>
-            <a:ext cx="301686" cy="369332"/>
-          </a:xfrm>
-          <a:prstGeom prst="rect">
-            <a:avLst/>
-          </a:prstGeom>
-          <a:noFill/>
-        </p:spPr>
-        <p:txBody>
-          <a:bodyPr wrap="none" rtlCol="0">
-            <a:spAutoFit/>
-          </a:bodyPr>
-          <a:lstStyle/>
-          <a:p>
-            <a:r>
-              <a:rPr lang="en-US" altLang="zh-TW" dirty="0" smtClean="0">
-                <a:solidFill>
-                  <a:srgbClr val="FF0000"/>
-                </a:solidFill>
-              </a:rPr>
-              <a:t>7</a:t>
-            </a:r>
-            <a:endParaRPr lang="zh-TW" altLang="en-US" dirty="0">
-              <a:solidFill>
-                <a:srgbClr val="FF0000"/>
-              </a:solidFill>
-            </a:endParaRPr>
-          </a:p>
-        </p:txBody>
-      </p:sp>
-      <p:sp>
-        <p:nvSpPr>
-          <p:cNvPr id="22" name="文字方塊 21"/>
-          <p:cNvSpPr txBox="1"/>
-          <p:nvPr/>
-        </p:nvSpPr>
-        <p:spPr>
-          <a:xfrm>
-            <a:off x="3835241" y="5007846"/>
-            <a:ext cx="301686" cy="369332"/>
-          </a:xfrm>
-          <a:prstGeom prst="rect">
-            <a:avLst/>
-          </a:prstGeom>
-          <a:noFill/>
-        </p:spPr>
-        <p:txBody>
-          <a:bodyPr wrap="none" rtlCol="0">
-            <a:spAutoFit/>
-          </a:bodyPr>
-          <a:lstStyle/>
-          <a:p>
-            <a:r>
-              <a:rPr lang="en-US" altLang="zh-TW" dirty="0" smtClean="0">
-                <a:solidFill>
-                  <a:srgbClr val="FF0000"/>
-                </a:solidFill>
-              </a:rPr>
-              <a:t>8</a:t>
-            </a:r>
-            <a:endParaRPr lang="zh-TW" altLang="en-US" dirty="0">
-              <a:solidFill>
-                <a:srgbClr val="FF0000"/>
-              </a:solidFill>
-            </a:endParaRPr>
-          </a:p>
-        </p:txBody>
-      </p:sp>
-      <p:sp>
-        <p:nvSpPr>
-          <p:cNvPr id="23" name="矩形 22"/>
-          <p:cNvSpPr/>
-          <p:nvPr/>
-        </p:nvSpPr>
-        <p:spPr>
-          <a:xfrm>
-            <a:off x="7115817" y="6159899"/>
-            <a:ext cx="854227" cy="289482"/>
-          </a:xfrm>
-          <a:prstGeom prst="rect">
-            <a:avLst/>
-          </a:prstGeom>
-          <a:noFill/>
-          <a:ln w="28575">
-            <a:solidFill>
-              <a:srgbClr val="FF0000"/>
-            </a:solidFill>
-          </a:ln>
-        </p:spPr>
-        <p:style>
-          <a:lnRef idx="2">
-            <a:schemeClr val="accent1">
-              <a:shade val="50000"/>
-            </a:schemeClr>
-          </a:lnRef>
-          <a:fillRef idx="1">
-            <a:schemeClr val="accent1"/>
-          </a:fillRef>
-          <a:effectRef idx="0">
-            <a:schemeClr val="accent1"/>
-          </a:effectRef>
-          <a:fontRef idx="minor">
-            <a:schemeClr val="lt1"/>
-          </a:fontRef>
-        </p:style>
-        <p:txBody>
-          <a:bodyPr rtlCol="0" anchor="ctr"/>
-          <a:lstStyle/>
-          <a:p>
-            <a:pPr algn="ctr"/>
-            <a:endParaRPr lang="zh-TW" altLang="en-US"/>
-          </a:p>
-        </p:txBody>
-      </p:sp>
-      <p:sp>
-        <p:nvSpPr>
-          <p:cNvPr id="24" name="文字方塊 23"/>
-          <p:cNvSpPr txBox="1"/>
-          <p:nvPr/>
-        </p:nvSpPr>
-        <p:spPr>
-          <a:xfrm>
-            <a:off x="6814131" y="6119974"/>
-            <a:ext cx="301686" cy="369332"/>
-          </a:xfrm>
-          <a:prstGeom prst="rect">
-            <a:avLst/>
-          </a:prstGeom>
-          <a:noFill/>
-        </p:spPr>
-        <p:txBody>
-          <a:bodyPr wrap="none" rtlCol="0">
-            <a:spAutoFit/>
-          </a:bodyPr>
-          <a:lstStyle/>
-          <a:p>
-            <a:r>
-              <a:rPr lang="en-US" altLang="zh-TW" dirty="0" smtClean="0">
-                <a:solidFill>
-                  <a:srgbClr val="FF0000"/>
-                </a:solidFill>
-              </a:rPr>
-              <a:t>9</a:t>
             </a:r>
             <a:endParaRPr lang="zh-TW" altLang="en-US" dirty="0">
               <a:solidFill>
@@ -6648,7 +6378,7 @@
       </p:grpSpPr>
       <p:pic>
         <p:nvPicPr>
-          <p:cNvPr id="9" name="圖片 8"/>
+          <p:cNvPr id="2" name="圖片 1"/>
           <p:cNvPicPr>
             <a:picLocks noChangeAspect="1"/>
           </p:cNvPicPr>
@@ -7062,7 +6792,7 @@
       </p:grpSpPr>
       <p:pic>
         <p:nvPicPr>
-          <p:cNvPr id="7" name="圖片 6"/>
+          <p:cNvPr id="11" name="圖片 10"/>
           <p:cNvPicPr>
             <a:picLocks noChangeAspect="1"/>
           </p:cNvPicPr>
@@ -7084,40 +6814,16 @@
           </a:prstGeom>
         </p:spPr>
       </p:pic>
-      <p:pic>
-        <p:nvPicPr>
-          <p:cNvPr id="2" name="圖片 1"/>
-          <p:cNvPicPr>
-            <a:picLocks noChangeAspect="1"/>
-          </p:cNvPicPr>
-          <p:nvPr/>
-        </p:nvPicPr>
-        <p:blipFill>
-          <a:blip r:embed="rId3"/>
-          <a:stretch>
-            <a:fillRect/>
-          </a:stretch>
-        </p:blipFill>
-        <p:spPr>
-          <a:xfrm>
-            <a:off x="6691792" y="3280097"/>
-            <a:ext cx="3286125" cy="1857375"/>
-          </a:xfrm>
-          <a:prstGeom prst="rect">
-            <a:avLst/>
-          </a:prstGeom>
-        </p:spPr>
-      </p:pic>
-      <p:sp>
-        <p:nvSpPr>
-          <p:cNvPr id="3" name="矩形 2"/>
+      <p:sp>
+        <p:nvSpPr>
+          <p:cNvPr id="10" name="矩形 9"/>
           <p:cNvSpPr/>
           <p:nvPr/>
         </p:nvSpPr>
         <p:spPr>
           <a:xfrm>
-            <a:off x="6849913" y="3987368"/>
-            <a:ext cx="1889106" cy="289482"/>
+            <a:off x="1952005" y="1271910"/>
+            <a:ext cx="2905746" cy="533078"/>
           </a:xfrm>
           <a:prstGeom prst="rect">
             <a:avLst/>
@@ -7156,14 +6862,14 @@
       </p:sp>
       <p:sp>
         <p:nvSpPr>
-          <p:cNvPr id="4" name="矩形 3"/>
+          <p:cNvPr id="13" name="矩形 12"/>
           <p:cNvSpPr/>
           <p:nvPr/>
         </p:nvSpPr>
         <p:spPr>
           <a:xfrm>
-            <a:off x="7509519" y="4692258"/>
-            <a:ext cx="1095375" cy="289482"/>
+            <a:off x="2543354" y="4462066"/>
+            <a:ext cx="1289506" cy="289482"/>
           </a:xfrm>
           <a:prstGeom prst="rect">
             <a:avLst/>
@@ -7202,90 +6908,14 @@
       </p:sp>
       <p:sp>
         <p:nvSpPr>
-          <p:cNvPr id="5" name="文字方塊 4"/>
-          <p:cNvSpPr txBox="1"/>
-          <p:nvPr/>
-        </p:nvSpPr>
-        <p:spPr>
-          <a:xfrm>
-            <a:off x="6548227" y="3947443"/>
-            <a:ext cx="301686" cy="369332"/>
-          </a:xfrm>
-          <a:prstGeom prst="rect">
-            <a:avLst/>
-          </a:prstGeom>
-          <a:noFill/>
-        </p:spPr>
-        <p:txBody>
-          <a:bodyPr wrap="none" rtlCol="0">
-            <a:spAutoFit/>
-          </a:bodyPr>
-          <a:lstStyle/>
-          <a:p>
-            <a:r>
-              <a:rPr lang="en-US" altLang="zh-TW" dirty="0" smtClean="0">
-                <a:solidFill>
-                  <a:srgbClr val="FF0000"/>
-                </a:solidFill>
-              </a:rPr>
-              <a:t>2</a:t>
-            </a:r>
-            <a:endParaRPr lang="zh-TW" altLang="en-US" dirty="0">
-              <a:solidFill>
-                <a:srgbClr val="FF0000"/>
-              </a:solidFill>
-            </a:endParaRPr>
-          </a:p>
-        </p:txBody>
-      </p:sp>
-      <p:sp>
-        <p:nvSpPr>
-          <p:cNvPr id="6" name="文字方塊 5"/>
-          <p:cNvSpPr txBox="1"/>
-          <p:nvPr/>
-        </p:nvSpPr>
-        <p:spPr>
-          <a:xfrm>
-            <a:off x="7207833" y="4652333"/>
-            <a:ext cx="301686" cy="369332"/>
-          </a:xfrm>
-          <a:prstGeom prst="rect">
-            <a:avLst/>
-          </a:prstGeom>
-          <a:noFill/>
-        </p:spPr>
-        <p:txBody>
-          <a:bodyPr wrap="none" rtlCol="0">
-            <a:spAutoFit/>
-          </a:bodyPr>
-          <a:lstStyle/>
-          <a:p>
-            <a:r>
-              <a:rPr lang="en-US" altLang="zh-TW" dirty="0" smtClean="0">
-                <a:solidFill>
-                  <a:srgbClr val="FF0000"/>
-                </a:solidFill>
-              </a:rPr>
-              <a:t>3</a:t>
-            </a:r>
-            <a:endParaRPr lang="zh-TW" altLang="en-US" dirty="0">
-              <a:solidFill>
-                <a:srgbClr val="FF0000"/>
-              </a:solidFill>
-            </a:endParaRPr>
-          </a:p>
-        </p:txBody>
-      </p:sp>
-      <p:sp>
-        <p:nvSpPr>
-          <p:cNvPr id="8" name="矩形 7"/>
+          <p:cNvPr id="14" name="矩形 13"/>
           <p:cNvSpPr/>
           <p:nvPr/>
         </p:nvSpPr>
         <p:spPr>
           <a:xfrm>
-            <a:off x="9123288" y="714059"/>
-            <a:ext cx="1193904" cy="244774"/>
+            <a:off x="1952004" y="5377178"/>
+            <a:ext cx="4067796" cy="657861"/>
           </a:xfrm>
           <a:prstGeom prst="rect">
             <a:avLst/>
@@ -7324,13 +6954,13 @@
       </p:sp>
       <p:sp>
         <p:nvSpPr>
-          <p:cNvPr id="9" name="文字方塊 8"/>
+          <p:cNvPr id="15" name="文字方塊 14"/>
           <p:cNvSpPr txBox="1"/>
           <p:nvPr/>
         </p:nvSpPr>
         <p:spPr>
           <a:xfrm>
-            <a:off x="8821602" y="651780"/>
+            <a:off x="4857751" y="1353783"/>
             <a:ext cx="301686" cy="369332"/>
           </a:xfrm>
           <a:prstGeom prst="rect">
@@ -7362,14 +6992,90 @@
       </p:sp>
       <p:sp>
         <p:nvSpPr>
-          <p:cNvPr id="10" name="矩形 9"/>
+          <p:cNvPr id="18" name="文字方塊 17"/>
+          <p:cNvSpPr txBox="1"/>
+          <p:nvPr/>
+        </p:nvSpPr>
+        <p:spPr>
+          <a:xfrm>
+            <a:off x="3825582" y="4422141"/>
+            <a:ext cx="301686" cy="369332"/>
+          </a:xfrm>
+          <a:prstGeom prst="rect">
+            <a:avLst/>
+          </a:prstGeom>
+          <a:noFill/>
+        </p:spPr>
+        <p:txBody>
+          <a:bodyPr wrap="none" rtlCol="0">
+            <a:spAutoFit/>
+          </a:bodyPr>
+          <a:lstStyle/>
+          <a:p>
+            <a:r>
+              <a:rPr lang="en-US" altLang="zh-TW" dirty="0" smtClean="0">
+                <a:solidFill>
+                  <a:srgbClr val="FF0000"/>
+                </a:solidFill>
+              </a:rPr>
+              <a:t>3</a:t>
+            </a:r>
+            <a:endParaRPr lang="zh-TW" altLang="en-US" dirty="0">
+              <a:solidFill>
+                <a:srgbClr val="FF0000"/>
+              </a:solidFill>
+            </a:endParaRPr>
+          </a:p>
+        </p:txBody>
+      </p:sp>
+      <p:sp>
+        <p:nvSpPr>
+          <p:cNvPr id="19" name="文字方塊 18"/>
+          <p:cNvSpPr txBox="1"/>
+          <p:nvPr/>
+        </p:nvSpPr>
+        <p:spPr>
+          <a:xfrm>
+            <a:off x="3835241" y="5007846"/>
+            <a:ext cx="301686" cy="369332"/>
+          </a:xfrm>
+          <a:prstGeom prst="rect">
+            <a:avLst/>
+          </a:prstGeom>
+          <a:noFill/>
+        </p:spPr>
+        <p:txBody>
+          <a:bodyPr wrap="none" rtlCol="0">
+            <a:spAutoFit/>
+          </a:bodyPr>
+          <a:lstStyle/>
+          <a:p>
+            <a:r>
+              <a:rPr lang="en-US" altLang="zh-TW" dirty="0" smtClean="0">
+                <a:solidFill>
+                  <a:srgbClr val="FF0000"/>
+                </a:solidFill>
+              </a:rPr>
+              <a:t>4</a:t>
+            </a:r>
+            <a:endParaRPr lang="zh-TW" altLang="en-US" dirty="0">
+              <a:solidFill>
+                <a:srgbClr val="FF0000"/>
+              </a:solidFill>
+            </a:endParaRPr>
+          </a:p>
+        </p:txBody>
+      </p:sp>
+      <p:sp>
+        <p:nvSpPr>
+          <p:cNvPr id="20" name="矩形 19"/>
           <p:cNvSpPr/>
           <p:nvPr/>
         </p:nvSpPr>
         <p:spPr>
           <a:xfrm>
-            <a:off x="1952005" y="1271910"/>
-            <a:ext cx="2905746" cy="533078"/>
+            <a:off x="7115817" y="6159899"/>
+            <a:ext cx="854227" cy="289482"/>
           </a:xfrm>
           <a:prstGeom prst="rect">
             <a:avLst/>
@@ -7408,14 +7114,52 @@
       </p:sp>
       <p:sp>
         <p:nvSpPr>
-          <p:cNvPr id="13" name="矩形 12"/>
+          <p:cNvPr id="21" name="文字方塊 20"/>
+          <p:cNvSpPr txBox="1"/>
+          <p:nvPr/>
+        </p:nvSpPr>
+        <p:spPr>
+          <a:xfrm>
+            <a:off x="6814131" y="6119974"/>
+            <a:ext cx="301686" cy="369332"/>
+          </a:xfrm>
+          <a:prstGeom prst="rect">
+            <a:avLst/>
+          </a:prstGeom>
+          <a:noFill/>
+        </p:spPr>
+        <p:txBody>
+          <a:bodyPr wrap="none" rtlCol="0">
+            <a:spAutoFit/>
+          </a:bodyPr>
+          <a:lstStyle/>
+          <a:p>
+            <a:r>
+              <a:rPr lang="en-US" altLang="zh-TW" dirty="0" smtClean="0">
+                <a:solidFill>
+                  <a:srgbClr val="FF0000"/>
+                </a:solidFill>
+              </a:rPr>
+              <a:t>5</a:t>
+            </a:r>
+            <a:endParaRPr lang="zh-TW" altLang="en-US" dirty="0">
+              <a:solidFill>
+                <a:srgbClr val="FF0000"/>
+              </a:solidFill>
+            </a:endParaRPr>
+          </a:p>
+        </p:txBody>
+      </p:sp>
+      <p:sp>
+        <p:nvSpPr>
+          <p:cNvPr id="22" name="矩形 21"/>
           <p:cNvSpPr/>
           <p:nvPr/>
         </p:nvSpPr>
         <p:spPr>
           <a:xfrm>
-            <a:off x="2543354" y="4462066"/>
-            <a:ext cx="1289506" cy="289482"/>
+            <a:off x="4694267" y="1849498"/>
+            <a:ext cx="894527" cy="278546"/>
           </a:xfrm>
           <a:prstGeom prst="rect">
             <a:avLst/>
@@ -7454,59 +7198,13 @@
       </p:sp>
       <p:sp>
         <p:nvSpPr>
-          <p:cNvPr id="14" name="矩形 13"/>
-          <p:cNvSpPr/>
-          <p:nvPr/>
-        </p:nvSpPr>
-        <p:spPr>
-          <a:xfrm>
-            <a:off x="1952004" y="5377178"/>
-            <a:ext cx="4067796" cy="657861"/>
-          </a:xfrm>
-          <a:prstGeom prst="rect">
-            <a:avLst/>
-          </a:prstGeom>
-          <a:noFill/>
-          <a:ln w="28575">
-            <a:solidFill>
-              <a:srgbClr val="FF0000"/>
-            </a:solidFill>
-          </a:ln>
-        </p:spPr>
-        <p:style>
-          <a:lnRef idx="2">
-            <a:schemeClr val="accent1">
-              <a:shade val="50000"/>
-            </a:schemeClr>
-          </a:lnRef>
-          <a:fillRef idx="1">
-            <a:schemeClr val="accent1"/>
-          </a:fillRef>
-          <a:effectRef idx="0">
-            <a:schemeClr val="accent1"/>
-          </a:effectRef>
-          <a:fontRef idx="minor">
-            <a:schemeClr val="lt1"/>
-          </a:fontRef>
-        </p:style>
-        <p:txBody>
-          <a:bodyPr rtlCol="0" anchor="ctr"/>
-          <a:lstStyle/>
-          <a:p>
-            <a:pPr algn="ctr"/>
-            <a:endParaRPr lang="zh-TW" altLang="en-US"/>
-          </a:p>
-        </p:txBody>
-      </p:sp>
-      <p:sp>
-        <p:nvSpPr>
-          <p:cNvPr id="15" name="文字方塊 14"/>
+          <p:cNvPr id="23" name="文字方塊 22"/>
           <p:cNvSpPr txBox="1"/>
           <p:nvPr/>
         </p:nvSpPr>
         <p:spPr>
           <a:xfrm>
-            <a:off x="4857751" y="1353783"/>
+            <a:off x="5588794" y="1804988"/>
             <a:ext cx="301686" cy="369332"/>
           </a:xfrm>
           <a:prstGeom prst="rect">
@@ -7526,251 +7224,7 @@
                   <a:srgbClr val="FF0000"/>
                 </a:solidFill>
               </a:rPr>
-              <a:t>4</a:t>
-            </a:r>
-            <a:endParaRPr lang="zh-TW" altLang="en-US" dirty="0">
-              <a:solidFill>
-                <a:srgbClr val="FF0000"/>
-              </a:solidFill>
-            </a:endParaRPr>
-          </a:p>
-        </p:txBody>
-      </p:sp>
-      <p:sp>
-        <p:nvSpPr>
-          <p:cNvPr id="18" name="文字方塊 17"/>
-          <p:cNvSpPr txBox="1"/>
-          <p:nvPr/>
-        </p:nvSpPr>
-        <p:spPr>
-          <a:xfrm>
-            <a:off x="3825582" y="4422141"/>
-            <a:ext cx="301686" cy="369332"/>
-          </a:xfrm>
-          <a:prstGeom prst="rect">
-            <a:avLst/>
-          </a:prstGeom>
-          <a:noFill/>
-        </p:spPr>
-        <p:txBody>
-          <a:bodyPr wrap="none" rtlCol="0">
-            <a:spAutoFit/>
-          </a:bodyPr>
-          <a:lstStyle/>
-          <a:p>
-            <a:r>
-              <a:rPr lang="en-US" altLang="zh-TW" dirty="0" smtClean="0">
-                <a:solidFill>
-                  <a:srgbClr val="FF0000"/>
-                </a:solidFill>
-              </a:rPr>
-              <a:t>6</a:t>
-            </a:r>
-            <a:endParaRPr lang="zh-TW" altLang="en-US" dirty="0">
-              <a:solidFill>
-                <a:srgbClr val="FF0000"/>
-              </a:solidFill>
-            </a:endParaRPr>
-          </a:p>
-        </p:txBody>
-      </p:sp>
-      <p:sp>
-        <p:nvSpPr>
-          <p:cNvPr id="19" name="文字方塊 18"/>
-          <p:cNvSpPr txBox="1"/>
-          <p:nvPr/>
-        </p:nvSpPr>
-        <p:spPr>
-          <a:xfrm>
-            <a:off x="3835241" y="5007846"/>
-            <a:ext cx="301686" cy="369332"/>
-          </a:xfrm>
-          <a:prstGeom prst="rect">
-            <a:avLst/>
-          </a:prstGeom>
-          <a:noFill/>
-        </p:spPr>
-        <p:txBody>
-          <a:bodyPr wrap="none" rtlCol="0">
-            <a:spAutoFit/>
-          </a:bodyPr>
-          <a:lstStyle/>
-          <a:p>
-            <a:r>
-              <a:rPr lang="en-US" altLang="zh-TW" dirty="0" smtClean="0">
-                <a:solidFill>
-                  <a:srgbClr val="FF0000"/>
-                </a:solidFill>
-              </a:rPr>
-              <a:t>7</a:t>
-            </a:r>
-            <a:endParaRPr lang="zh-TW" altLang="en-US" dirty="0">
-              <a:solidFill>
-                <a:srgbClr val="FF0000"/>
-              </a:solidFill>
-            </a:endParaRPr>
-          </a:p>
-        </p:txBody>
-      </p:sp>
-      <p:sp>
-        <p:nvSpPr>
-          <p:cNvPr id="20" name="矩形 19"/>
-          <p:cNvSpPr/>
-          <p:nvPr/>
-        </p:nvSpPr>
-        <p:spPr>
-          <a:xfrm>
-            <a:off x="7115817" y="6159899"/>
-            <a:ext cx="854227" cy="289482"/>
-          </a:xfrm>
-          <a:prstGeom prst="rect">
-            <a:avLst/>
-          </a:prstGeom>
-          <a:noFill/>
-          <a:ln w="28575">
-            <a:solidFill>
-              <a:srgbClr val="FF0000"/>
-            </a:solidFill>
-          </a:ln>
-        </p:spPr>
-        <p:style>
-          <a:lnRef idx="2">
-            <a:schemeClr val="accent1">
-              <a:shade val="50000"/>
-            </a:schemeClr>
-          </a:lnRef>
-          <a:fillRef idx="1">
-            <a:schemeClr val="accent1"/>
-          </a:fillRef>
-          <a:effectRef idx="0">
-            <a:schemeClr val="accent1"/>
-          </a:effectRef>
-          <a:fontRef idx="minor">
-            <a:schemeClr val="lt1"/>
-          </a:fontRef>
-        </p:style>
-        <p:txBody>
-          <a:bodyPr rtlCol="0" anchor="ctr"/>
-          <a:lstStyle/>
-          <a:p>
-            <a:pPr algn="ctr"/>
-            <a:endParaRPr lang="zh-TW" altLang="en-US"/>
-          </a:p>
-        </p:txBody>
-      </p:sp>
-      <p:sp>
-        <p:nvSpPr>
-          <p:cNvPr id="21" name="文字方塊 20"/>
-          <p:cNvSpPr txBox="1"/>
-          <p:nvPr/>
-        </p:nvSpPr>
-        <p:spPr>
-          <a:xfrm>
-            <a:off x="6814131" y="6119974"/>
-            <a:ext cx="301686" cy="369332"/>
-          </a:xfrm>
-          <a:prstGeom prst="rect">
-            <a:avLst/>
-          </a:prstGeom>
-          <a:noFill/>
-        </p:spPr>
-        <p:txBody>
-          <a:bodyPr wrap="none" rtlCol="0">
-            <a:spAutoFit/>
-          </a:bodyPr>
-          <a:lstStyle/>
-          <a:p>
-            <a:r>
-              <a:rPr lang="en-US" altLang="zh-TW" dirty="0" smtClean="0">
-                <a:solidFill>
-                  <a:srgbClr val="FF0000"/>
-                </a:solidFill>
-              </a:rPr>
-              <a:t>8</a:t>
-            </a:r>
-            <a:endParaRPr lang="zh-TW" altLang="en-US" dirty="0">
-              <a:solidFill>
-                <a:srgbClr val="FF0000"/>
-              </a:solidFill>
-            </a:endParaRPr>
-          </a:p>
-        </p:txBody>
-      </p:sp>
-      <p:sp>
-        <p:nvSpPr>
-          <p:cNvPr id="22" name="矩形 21"/>
-          <p:cNvSpPr/>
-          <p:nvPr/>
-        </p:nvSpPr>
-        <p:spPr>
-          <a:xfrm>
-            <a:off x="4694267" y="1849498"/>
-            <a:ext cx="894527" cy="278546"/>
-          </a:xfrm>
-          <a:prstGeom prst="rect">
-            <a:avLst/>
-          </a:prstGeom>
-          <a:noFill/>
-          <a:ln w="28575">
-            <a:solidFill>
-              <a:srgbClr val="FF0000"/>
-            </a:solidFill>
-          </a:ln>
-        </p:spPr>
-        <p:style>
-          <a:lnRef idx="2">
-            <a:schemeClr val="accent1">
-              <a:shade val="50000"/>
-            </a:schemeClr>
-          </a:lnRef>
-          <a:fillRef idx="1">
-            <a:schemeClr val="accent1"/>
-          </a:fillRef>
-          <a:effectRef idx="0">
-            <a:schemeClr val="accent1"/>
-          </a:effectRef>
-          <a:fontRef idx="minor">
-            <a:schemeClr val="lt1"/>
-          </a:fontRef>
-        </p:style>
-        <p:txBody>
-          <a:bodyPr rtlCol="0" anchor="ctr"/>
-          <a:lstStyle/>
-          <a:p>
-            <a:pPr algn="ctr"/>
-            <a:endParaRPr lang="zh-TW" altLang="en-US"/>
-          </a:p>
-        </p:txBody>
-      </p:sp>
-      <p:sp>
-        <p:nvSpPr>
-          <p:cNvPr id="23" name="文字方塊 22"/>
-          <p:cNvSpPr txBox="1"/>
-          <p:nvPr/>
-        </p:nvSpPr>
-        <p:spPr>
-          <a:xfrm>
-            <a:off x="5588794" y="1804988"/>
-            <a:ext cx="301686" cy="369332"/>
-          </a:xfrm>
-          <a:prstGeom prst="rect">
-            <a:avLst/>
-          </a:prstGeom>
-          <a:noFill/>
-        </p:spPr>
-        <p:txBody>
-          <a:bodyPr wrap="none" rtlCol="0">
-            <a:spAutoFit/>
-          </a:bodyPr>
-          <a:lstStyle/>
-          <a:p>
-            <a:r>
-              <a:rPr lang="en-US" altLang="zh-TW" dirty="0" smtClean="0">
-                <a:solidFill>
-                  <a:srgbClr val="FF0000"/>
-                </a:solidFill>
-              </a:rPr>
-              <a:t>5</a:t>
+              <a:t>2</a:t>
             </a:r>
             <a:endParaRPr lang="zh-TW" altLang="en-US" dirty="0">
               <a:solidFill>

--- a/image/images.pptx
+++ b/image/images.pptx
@@ -264,7 +264,7 @@
           <a:p>
             <a:fld id="{56DE6451-BBA6-47FD-9167-15DF202D03EB}" type="datetimeFigureOut">
               <a:rPr lang="zh-TW" altLang="en-US" smtClean="0"/>
-              <a:t>2018/7/29</a:t>
+              <a:t>2018/8/13</a:t>
             </a:fld>
             <a:endParaRPr lang="zh-TW" altLang="en-US"/>
           </a:p>
@@ -434,7 +434,7 @@
           <a:p>
             <a:fld id="{56DE6451-BBA6-47FD-9167-15DF202D03EB}" type="datetimeFigureOut">
               <a:rPr lang="zh-TW" altLang="en-US" smtClean="0"/>
-              <a:t>2018/7/29</a:t>
+              <a:t>2018/8/13</a:t>
             </a:fld>
             <a:endParaRPr lang="zh-TW" altLang="en-US"/>
           </a:p>
@@ -614,7 +614,7 @@
           <a:p>
             <a:fld id="{56DE6451-BBA6-47FD-9167-15DF202D03EB}" type="datetimeFigureOut">
               <a:rPr lang="zh-TW" altLang="en-US" smtClean="0"/>
-              <a:t>2018/7/29</a:t>
+              <a:t>2018/8/13</a:t>
             </a:fld>
             <a:endParaRPr lang="zh-TW" altLang="en-US"/>
           </a:p>
@@ -784,7 +784,7 @@
           <a:p>
             <a:fld id="{56DE6451-BBA6-47FD-9167-15DF202D03EB}" type="datetimeFigureOut">
               <a:rPr lang="zh-TW" altLang="en-US" smtClean="0"/>
-              <a:t>2018/7/29</a:t>
+              <a:t>2018/8/13</a:t>
             </a:fld>
             <a:endParaRPr lang="zh-TW" altLang="en-US"/>
           </a:p>
@@ -1030,7 +1030,7 @@
           <a:p>
             <a:fld id="{56DE6451-BBA6-47FD-9167-15DF202D03EB}" type="datetimeFigureOut">
               <a:rPr lang="zh-TW" altLang="en-US" smtClean="0"/>
-              <a:t>2018/7/29</a:t>
+              <a:t>2018/8/13</a:t>
             </a:fld>
             <a:endParaRPr lang="zh-TW" altLang="en-US"/>
           </a:p>
@@ -1262,7 +1262,7 @@
           <a:p>
             <a:fld id="{56DE6451-BBA6-47FD-9167-15DF202D03EB}" type="datetimeFigureOut">
               <a:rPr lang="zh-TW" altLang="en-US" smtClean="0"/>
-              <a:t>2018/7/29</a:t>
+              <a:t>2018/8/13</a:t>
             </a:fld>
             <a:endParaRPr lang="zh-TW" altLang="en-US"/>
           </a:p>
@@ -1629,7 +1629,7 @@
           <a:p>
             <a:fld id="{56DE6451-BBA6-47FD-9167-15DF202D03EB}" type="datetimeFigureOut">
               <a:rPr lang="zh-TW" altLang="en-US" smtClean="0"/>
-              <a:t>2018/7/29</a:t>
+              <a:t>2018/8/13</a:t>
             </a:fld>
             <a:endParaRPr lang="zh-TW" altLang="en-US"/>
           </a:p>
@@ -1747,7 +1747,7 @@
           <a:p>
             <a:fld id="{56DE6451-BBA6-47FD-9167-15DF202D03EB}" type="datetimeFigureOut">
               <a:rPr lang="zh-TW" altLang="en-US" smtClean="0"/>
-              <a:t>2018/7/29</a:t>
+              <a:t>2018/8/13</a:t>
             </a:fld>
             <a:endParaRPr lang="zh-TW" altLang="en-US"/>
           </a:p>
@@ -1842,7 +1842,7 @@
           <a:p>
             <a:fld id="{56DE6451-BBA6-47FD-9167-15DF202D03EB}" type="datetimeFigureOut">
               <a:rPr lang="zh-TW" altLang="en-US" smtClean="0"/>
-              <a:t>2018/7/29</a:t>
+              <a:t>2018/8/13</a:t>
             </a:fld>
             <a:endParaRPr lang="zh-TW" altLang="en-US"/>
           </a:p>
@@ -2119,7 +2119,7 @@
           <a:p>
             <a:fld id="{56DE6451-BBA6-47FD-9167-15DF202D03EB}" type="datetimeFigureOut">
               <a:rPr lang="zh-TW" altLang="en-US" smtClean="0"/>
-              <a:t>2018/7/29</a:t>
+              <a:t>2018/8/13</a:t>
             </a:fld>
             <a:endParaRPr lang="zh-TW" altLang="en-US"/>
           </a:p>
@@ -2372,7 +2372,7 @@
           <a:p>
             <a:fld id="{56DE6451-BBA6-47FD-9167-15DF202D03EB}" type="datetimeFigureOut">
               <a:rPr lang="zh-TW" altLang="en-US" smtClean="0"/>
-              <a:t>2018/7/29</a:t>
+              <a:t>2018/8/13</a:t>
             </a:fld>
             <a:endParaRPr lang="zh-TW" altLang="en-US"/>
           </a:p>
@@ -2585,7 +2585,7 @@
           <a:p>
             <a:fld id="{56DE6451-BBA6-47FD-9167-15DF202D03EB}" type="datetimeFigureOut">
               <a:rPr lang="zh-TW" altLang="en-US" smtClean="0"/>
-              <a:t>2018/7/29</a:t>
+              <a:t>2018/8/13</a:t>
             </a:fld>
             <a:endParaRPr lang="zh-TW" altLang="en-US"/>
           </a:p>
@@ -3130,7 +3130,7 @@
       </p:grpSpPr>
       <p:pic>
         <p:nvPicPr>
-          <p:cNvPr id="12" name="圖片 11"/>
+          <p:cNvPr id="2" name="圖片 1"/>
           <p:cNvPicPr>
             <a:picLocks noChangeAspect="1"/>
           </p:cNvPicPr>
@@ -3144,8 +3144,8 @@
         </p:blipFill>
         <p:spPr>
           <a:xfrm>
-            <a:off x="1500187" y="742950"/>
-            <a:ext cx="9191625" cy="5372100"/>
+            <a:off x="1504950" y="747712"/>
+            <a:ext cx="9182100" cy="5362575"/>
           </a:xfrm>
           <a:prstGeom prst="rect">
             <a:avLst/>
@@ -5628,7 +5628,7 @@
       </p:grpSpPr>
       <p:pic>
         <p:nvPicPr>
-          <p:cNvPr id="4" name="圖片 3"/>
+          <p:cNvPr id="3" name="圖片 2"/>
           <p:cNvPicPr>
             <a:picLocks noChangeAspect="1"/>
           </p:cNvPicPr>
@@ -6378,7 +6378,7 @@
       </p:grpSpPr>
       <p:pic>
         <p:nvPicPr>
-          <p:cNvPr id="2" name="圖片 1"/>
+          <p:cNvPr id="9" name="圖片 8"/>
           <p:cNvPicPr>
             <a:picLocks noChangeAspect="1"/>
           </p:cNvPicPr>
@@ -6392,8 +6392,8 @@
         </p:blipFill>
         <p:spPr>
           <a:xfrm>
-            <a:off x="1500187" y="742950"/>
-            <a:ext cx="9191625" cy="5372100"/>
+            <a:off x="1504950" y="747712"/>
+            <a:ext cx="9182100" cy="5362575"/>
           </a:xfrm>
           <a:prstGeom prst="rect">
             <a:avLst/>
@@ -6792,7 +6792,7 @@
       </p:grpSpPr>
       <p:pic>
         <p:nvPicPr>
-          <p:cNvPr id="11" name="圖片 10"/>
+          <p:cNvPr id="2" name="圖片 1"/>
           <p:cNvPicPr>
             <a:picLocks noChangeAspect="1"/>
           </p:cNvPicPr>
